--- a/images/Mike De Lancey Florida Healthplan Poster.pptx
+++ b/images/Mike De Lancey Florida Healthplan Poster.pptx
@@ -34,7 +34,7 @@
       </p:grpSpPr>
       <p:sp>
         <p:nvSpPr>
-          <p:cNvPr id="40" name="PlaceHolder 1"/>
+          <p:cNvPr id="42" name="PlaceHolder 1"/>
           <p:cNvSpPr>
             <a:spLocks noGrp="1"/>
           </p:cNvSpPr>
@@ -69,7 +69,7 @@
       </p:sp>
       <p:sp>
         <p:nvSpPr>
-          <p:cNvPr id="41" name="PlaceHolder 2"/>
+          <p:cNvPr id="43" name="PlaceHolder 2"/>
           <p:cNvSpPr>
             <a:spLocks noGrp="1"/>
           </p:cNvSpPr>
@@ -103,7 +103,7 @@
       </p:sp>
       <p:sp>
         <p:nvSpPr>
-          <p:cNvPr id="42" name="PlaceHolder 3"/>
+          <p:cNvPr id="44" name="PlaceHolder 3"/>
           <p:cNvSpPr>
             <a:spLocks noGrp="1"/>
           </p:cNvSpPr>
@@ -137,7 +137,7 @@
       </p:sp>
       <p:sp>
         <p:nvSpPr>
-          <p:cNvPr id="43" name="PlaceHolder 4"/>
+          <p:cNvPr id="45" name="PlaceHolder 4"/>
           <p:cNvSpPr>
             <a:spLocks noGrp="1"/>
           </p:cNvSpPr>
@@ -172,7 +172,7 @@
       </p:sp>
       <p:sp>
         <p:nvSpPr>
-          <p:cNvPr id="44" name="PlaceHolder 5"/>
+          <p:cNvPr id="46" name="PlaceHolder 5"/>
           <p:cNvSpPr>
             <a:spLocks noGrp="1"/>
           </p:cNvSpPr>
@@ -206,7 +206,7 @@
       </p:sp>
       <p:sp>
         <p:nvSpPr>
-          <p:cNvPr id="45" name="PlaceHolder 6"/>
+          <p:cNvPr id="47" name="PlaceHolder 6"/>
           <p:cNvSpPr>
             <a:spLocks noGrp="1"/>
           </p:cNvSpPr>
@@ -227,7 +227,7 @@
           <a:bodyPr lIns="0" rIns="0" tIns="0" bIns="0" anchor="b"/>
           <a:p>
             <a:pPr algn="r"/>
-            <a:fld id="{94C59BBC-45D5-4AB1-BB0F-43BE5B5CDCE5}" type="slidenum">
+            <a:fld id="{A75402CC-7900-4F81-BBA2-DAC8EE8BA3B8}" type="slidenum">
               <a:rPr b="0" lang="en-US" sz="1400" spc="-1" strike="noStrike">
                 <a:latin typeface="Times New Roman"/>
               </a:rPr>
@@ -264,14 +264,14 @@
       </p:grpSpPr>
       <p:sp>
         <p:nvSpPr>
-          <p:cNvPr id="75" name="CustomShape 1"/>
+          <p:cNvPr id="78" name="CustomShape 1"/>
           <p:cNvSpPr/>
           <p:nvPr/>
         </p:nvSpPr>
         <p:spPr>
           <a:xfrm>
             <a:off x="3884760" y="8685360"/>
-            <a:ext cx="2970000" cy="455400"/>
+            <a:ext cx="2969640" cy="455040"/>
           </a:xfrm>
           <a:prstGeom prst="rect">
             <a:avLst/>
@@ -290,7 +290,7 @@
       </p:sp>
       <p:sp>
         <p:nvSpPr>
-          <p:cNvPr id="76" name="PlaceHolder 2"/>
+          <p:cNvPr id="79" name="PlaceHolder 2"/>
           <p:cNvSpPr>
             <a:spLocks noGrp="1"/>
           </p:cNvSpPr>
@@ -301,16 +301,16 @@
         <p:spPr>
           <a:xfrm>
             <a:off x="1143000" y="685800"/>
-            <a:ext cx="4570200" cy="3427200"/>
-          </a:xfrm>
-          <a:prstGeom prst="rect">
-            <a:avLst/>
-          </a:prstGeom>
-        </p:spPr>
-      </p:sp>
-      <p:sp>
-        <p:nvSpPr>
-          <p:cNvPr id="77" name="PlaceHolder 3"/>
+            <a:ext cx="4569840" cy="3426840"/>
+          </a:xfrm>
+          <a:prstGeom prst="rect">
+            <a:avLst/>
+          </a:prstGeom>
+        </p:spPr>
+      </p:sp>
+      <p:sp>
+        <p:nvSpPr>
+          <p:cNvPr id="80" name="PlaceHolder 3"/>
           <p:cNvSpPr>
             <a:spLocks noGrp="1"/>
           </p:cNvSpPr>
@@ -321,7 +321,7 @@
         <p:spPr>
           <a:xfrm>
             <a:off x="685800" y="4343400"/>
-            <a:ext cx="5484600" cy="4113000"/>
+            <a:ext cx="5484240" cy="4112640"/>
           </a:xfrm>
           <a:prstGeom prst="rect">
             <a:avLst/>
@@ -382,7 +382,7 @@
       </p:grpSpPr>
       <p:sp>
         <p:nvSpPr>
-          <p:cNvPr id="25" name="PlaceHolder 1"/>
+          <p:cNvPr id="27" name="PlaceHolder 1"/>
           <p:cNvSpPr>
             <a:spLocks noGrp="1"/>
           </p:cNvSpPr>
@@ -411,7 +411,7 @@
       </p:sp>
       <p:sp>
         <p:nvSpPr>
-          <p:cNvPr id="26" name="PlaceHolder 2"/>
+          <p:cNvPr id="28" name="PlaceHolder 2"/>
           <p:cNvSpPr>
             <a:spLocks noGrp="1"/>
           </p:cNvSpPr>
@@ -441,7 +441,7 @@
       </p:sp>
       <p:sp>
         <p:nvSpPr>
-          <p:cNvPr id="27" name="PlaceHolder 3"/>
+          <p:cNvPr id="29" name="PlaceHolder 3"/>
           <p:cNvSpPr>
             <a:spLocks noGrp="1"/>
           </p:cNvSpPr>
@@ -493,7 +493,7 @@
       </p:grpSpPr>
       <p:sp>
         <p:nvSpPr>
-          <p:cNvPr id="28" name="PlaceHolder 1"/>
+          <p:cNvPr id="30" name="PlaceHolder 1"/>
           <p:cNvSpPr>
             <a:spLocks noGrp="1"/>
           </p:cNvSpPr>
@@ -522,7 +522,7 @@
       </p:sp>
       <p:sp>
         <p:nvSpPr>
-          <p:cNvPr id="29" name="PlaceHolder 2"/>
+          <p:cNvPr id="31" name="PlaceHolder 2"/>
           <p:cNvSpPr>
             <a:spLocks noGrp="1"/>
           </p:cNvSpPr>
@@ -552,7 +552,7 @@
       </p:sp>
       <p:sp>
         <p:nvSpPr>
-          <p:cNvPr id="30" name="PlaceHolder 3"/>
+          <p:cNvPr id="32" name="PlaceHolder 3"/>
           <p:cNvSpPr>
             <a:spLocks noGrp="1"/>
           </p:cNvSpPr>
@@ -582,7 +582,7 @@
       </p:sp>
       <p:sp>
         <p:nvSpPr>
-          <p:cNvPr id="31" name="PlaceHolder 4"/>
+          <p:cNvPr id="33" name="PlaceHolder 4"/>
           <p:cNvSpPr>
             <a:spLocks noGrp="1"/>
           </p:cNvSpPr>
@@ -612,7 +612,7 @@
       </p:sp>
       <p:sp>
         <p:nvSpPr>
-          <p:cNvPr id="32" name="PlaceHolder 5"/>
+          <p:cNvPr id="34" name="PlaceHolder 5"/>
           <p:cNvSpPr>
             <a:spLocks noGrp="1"/>
           </p:cNvSpPr>
@@ -664,7 +664,7 @@
       </p:grpSpPr>
       <p:sp>
         <p:nvSpPr>
-          <p:cNvPr id="33" name="PlaceHolder 1"/>
+          <p:cNvPr id="35" name="PlaceHolder 1"/>
           <p:cNvSpPr>
             <a:spLocks noGrp="1"/>
           </p:cNvSpPr>
@@ -693,7 +693,7 @@
       </p:sp>
       <p:sp>
         <p:nvSpPr>
-          <p:cNvPr id="34" name="PlaceHolder 2"/>
+          <p:cNvPr id="36" name="PlaceHolder 2"/>
           <p:cNvSpPr>
             <a:spLocks noGrp="1"/>
           </p:cNvSpPr>
@@ -723,7 +723,7 @@
       </p:sp>
       <p:sp>
         <p:nvSpPr>
-          <p:cNvPr id="35" name="PlaceHolder 3"/>
+          <p:cNvPr id="37" name="PlaceHolder 3"/>
           <p:cNvSpPr>
             <a:spLocks noGrp="1"/>
           </p:cNvSpPr>
@@ -753,7 +753,7 @@
       </p:sp>
       <p:sp>
         <p:nvSpPr>
-          <p:cNvPr id="36" name="PlaceHolder 4"/>
+          <p:cNvPr id="38" name="PlaceHolder 4"/>
           <p:cNvSpPr>
             <a:spLocks noGrp="1"/>
           </p:cNvSpPr>
@@ -783,7 +783,7 @@
       </p:sp>
       <p:sp>
         <p:nvSpPr>
-          <p:cNvPr id="37" name="PlaceHolder 5"/>
+          <p:cNvPr id="39" name="PlaceHolder 5"/>
           <p:cNvSpPr>
             <a:spLocks noGrp="1"/>
           </p:cNvSpPr>
@@ -813,7 +813,7 @@
       </p:sp>
       <p:sp>
         <p:nvSpPr>
-          <p:cNvPr id="38" name="PlaceHolder 6"/>
+          <p:cNvPr id="40" name="PlaceHolder 6"/>
           <p:cNvSpPr>
             <a:spLocks noGrp="1"/>
           </p:cNvSpPr>
@@ -843,7 +843,7 @@
       </p:sp>
       <p:sp>
         <p:nvSpPr>
-          <p:cNvPr id="39" name="PlaceHolder 7"/>
+          <p:cNvPr id="41" name="PlaceHolder 7"/>
           <p:cNvSpPr>
             <a:spLocks noGrp="1"/>
           </p:cNvSpPr>
@@ -895,7 +895,7 @@
       </p:grpSpPr>
       <p:sp>
         <p:nvSpPr>
-          <p:cNvPr id="4" name="PlaceHolder 1"/>
+          <p:cNvPr id="6" name="PlaceHolder 1"/>
           <p:cNvSpPr>
             <a:spLocks noGrp="1"/>
           </p:cNvSpPr>
@@ -924,7 +924,7 @@
       </p:sp>
       <p:sp>
         <p:nvSpPr>
-          <p:cNvPr id="5" name="PlaceHolder 2"/>
+          <p:cNvPr id="7" name="PlaceHolder 2"/>
           <p:cNvSpPr>
             <a:spLocks noGrp="1"/>
           </p:cNvSpPr>
@@ -975,7 +975,7 @@
       </p:grpSpPr>
       <p:sp>
         <p:nvSpPr>
-          <p:cNvPr id="6" name="PlaceHolder 1"/>
+          <p:cNvPr id="8" name="PlaceHolder 1"/>
           <p:cNvSpPr>
             <a:spLocks noGrp="1"/>
           </p:cNvSpPr>
@@ -1004,7 +1004,7 @@
       </p:sp>
       <p:sp>
         <p:nvSpPr>
-          <p:cNvPr id="7" name="PlaceHolder 2"/>
+          <p:cNvPr id="9" name="PlaceHolder 2"/>
           <p:cNvSpPr>
             <a:spLocks noGrp="1"/>
           </p:cNvSpPr>
@@ -1056,7 +1056,7 @@
       </p:grpSpPr>
       <p:sp>
         <p:nvSpPr>
-          <p:cNvPr id="8" name="PlaceHolder 1"/>
+          <p:cNvPr id="10" name="PlaceHolder 1"/>
           <p:cNvSpPr>
             <a:spLocks noGrp="1"/>
           </p:cNvSpPr>
@@ -1085,7 +1085,7 @@
       </p:sp>
       <p:sp>
         <p:nvSpPr>
-          <p:cNvPr id="9" name="PlaceHolder 2"/>
+          <p:cNvPr id="11" name="PlaceHolder 2"/>
           <p:cNvSpPr>
             <a:spLocks noGrp="1"/>
           </p:cNvSpPr>
@@ -1115,7 +1115,7 @@
       </p:sp>
       <p:sp>
         <p:nvSpPr>
-          <p:cNvPr id="10" name="PlaceHolder 3"/>
+          <p:cNvPr id="12" name="PlaceHolder 3"/>
           <p:cNvSpPr>
             <a:spLocks noGrp="1"/>
           </p:cNvSpPr>
@@ -1167,7 +1167,7 @@
       </p:grpSpPr>
       <p:sp>
         <p:nvSpPr>
-          <p:cNvPr id="11" name="PlaceHolder 1"/>
+          <p:cNvPr id="13" name="PlaceHolder 1"/>
           <p:cNvSpPr>
             <a:spLocks noGrp="1"/>
           </p:cNvSpPr>
@@ -1218,7 +1218,7 @@
       </p:grpSpPr>
       <p:sp>
         <p:nvSpPr>
-          <p:cNvPr id="12" name="PlaceHolder 1"/>
+          <p:cNvPr id="14" name="PlaceHolder 1"/>
           <p:cNvSpPr>
             <a:spLocks noGrp="1"/>
           </p:cNvSpPr>
@@ -1269,7 +1269,7 @@
       </p:grpSpPr>
       <p:sp>
         <p:nvSpPr>
-          <p:cNvPr id="13" name="PlaceHolder 1"/>
+          <p:cNvPr id="15" name="PlaceHolder 1"/>
           <p:cNvSpPr>
             <a:spLocks noGrp="1"/>
           </p:cNvSpPr>
@@ -1298,7 +1298,7 @@
       </p:sp>
       <p:sp>
         <p:nvSpPr>
-          <p:cNvPr id="14" name="PlaceHolder 2"/>
+          <p:cNvPr id="16" name="PlaceHolder 2"/>
           <p:cNvSpPr>
             <a:spLocks noGrp="1"/>
           </p:cNvSpPr>
@@ -1328,7 +1328,7 @@
       </p:sp>
       <p:sp>
         <p:nvSpPr>
-          <p:cNvPr id="15" name="PlaceHolder 3"/>
+          <p:cNvPr id="17" name="PlaceHolder 3"/>
           <p:cNvSpPr>
             <a:spLocks noGrp="1"/>
           </p:cNvSpPr>
@@ -1358,7 +1358,7 @@
       </p:sp>
       <p:sp>
         <p:nvSpPr>
-          <p:cNvPr id="16" name="PlaceHolder 4"/>
+          <p:cNvPr id="18" name="PlaceHolder 4"/>
           <p:cNvSpPr>
             <a:spLocks noGrp="1"/>
           </p:cNvSpPr>
@@ -1410,7 +1410,7 @@
       </p:grpSpPr>
       <p:sp>
         <p:nvSpPr>
-          <p:cNvPr id="17" name="PlaceHolder 1"/>
+          <p:cNvPr id="19" name="PlaceHolder 1"/>
           <p:cNvSpPr>
             <a:spLocks noGrp="1"/>
           </p:cNvSpPr>
@@ -1439,7 +1439,7 @@
       </p:sp>
       <p:sp>
         <p:nvSpPr>
-          <p:cNvPr id="18" name="PlaceHolder 2"/>
+          <p:cNvPr id="20" name="PlaceHolder 2"/>
           <p:cNvSpPr>
             <a:spLocks noGrp="1"/>
           </p:cNvSpPr>
@@ -1469,7 +1469,7 @@
       </p:sp>
       <p:sp>
         <p:nvSpPr>
-          <p:cNvPr id="19" name="PlaceHolder 3"/>
+          <p:cNvPr id="21" name="PlaceHolder 3"/>
           <p:cNvSpPr>
             <a:spLocks noGrp="1"/>
           </p:cNvSpPr>
@@ -1499,7 +1499,7 @@
       </p:sp>
       <p:sp>
         <p:nvSpPr>
-          <p:cNvPr id="20" name="PlaceHolder 4"/>
+          <p:cNvPr id="22" name="PlaceHolder 4"/>
           <p:cNvSpPr>
             <a:spLocks noGrp="1"/>
           </p:cNvSpPr>
@@ -1551,7 +1551,7 @@
       </p:grpSpPr>
       <p:sp>
         <p:nvSpPr>
-          <p:cNvPr id="21" name="PlaceHolder 1"/>
+          <p:cNvPr id="23" name="PlaceHolder 1"/>
           <p:cNvSpPr>
             <a:spLocks noGrp="1"/>
           </p:cNvSpPr>
@@ -1580,7 +1580,7 @@
       </p:sp>
       <p:sp>
         <p:nvSpPr>
-          <p:cNvPr id="22" name="PlaceHolder 2"/>
+          <p:cNvPr id="24" name="PlaceHolder 2"/>
           <p:cNvSpPr>
             <a:spLocks noGrp="1"/>
           </p:cNvSpPr>
@@ -1610,7 +1610,7 @@
       </p:sp>
       <p:sp>
         <p:nvSpPr>
-          <p:cNvPr id="23" name="PlaceHolder 3"/>
+          <p:cNvPr id="25" name="PlaceHolder 3"/>
           <p:cNvSpPr>
             <a:spLocks noGrp="1"/>
           </p:cNvSpPr>
@@ -1640,7 +1640,7 @@
       </p:sp>
       <p:sp>
         <p:nvSpPr>
-          <p:cNvPr id="24" name="PlaceHolder 4"/>
+          <p:cNvPr id="26" name="PlaceHolder 4"/>
           <p:cNvSpPr>
             <a:spLocks noGrp="1"/>
           </p:cNvSpPr>
@@ -1709,8 +1709,8 @@
         </p:blipFill>
         <p:spPr>
           <a:xfrm rot="16200000">
-            <a:off x="-9245520" y="16461000"/>
-            <a:ext cx="15365160" cy="1560240"/>
+            <a:off x="-9245520" y="16461360"/>
+            <a:ext cx="15364800" cy="1559880"/>
           </a:xfrm>
           <a:prstGeom prst="rect">
             <a:avLst/>
@@ -1732,8 +1732,8 @@
         </p:blipFill>
         <p:spPr>
           <a:xfrm rot="5400000">
-            <a:off x="37771560" y="16459200"/>
-            <a:ext cx="15365160" cy="1560240"/>
+            <a:off x="37771920" y="16459200"/>
+            <a:ext cx="15364800" cy="1559880"/>
           </a:xfrm>
           <a:prstGeom prst="rect">
             <a:avLst/>
@@ -1756,7 +1756,7 @@
         <p:spPr>
           <a:xfrm>
             <a:off x="57240" y="33426360"/>
-            <a:ext cx="43775280" cy="2017440"/>
+            <a:ext cx="43774920" cy="2017080"/>
           </a:xfrm>
           <a:prstGeom prst="rect">
             <a:avLst/>
@@ -1775,7 +1775,7 @@
         <p:spPr>
           <a:xfrm>
             <a:off x="57240" y="33998040"/>
-            <a:ext cx="21943800" cy="1268280"/>
+            <a:ext cx="21943440" cy="1267920"/>
           </a:xfrm>
           <a:prstGeom prst="rect">
             <a:avLst/>
@@ -1818,6 +1818,220 @@
               <a:t>Template ID: greenapple  Size: 36x48</a:t>
             </a:r>
             <a:endParaRPr b="0" lang="en-US" sz="6360" spc="-1" strike="noStrike">
+              <a:latin typeface="Arial"/>
+            </a:endParaRPr>
+          </a:p>
+        </p:txBody>
+      </p:sp>
+      <p:sp>
+        <p:nvSpPr>
+          <p:cNvPr id="4" name="PlaceHolder 2"/>
+          <p:cNvSpPr>
+            <a:spLocks noGrp="1"/>
+          </p:cNvSpPr>
+          <p:nvPr>
+            <p:ph type="title"/>
+          </p:nvPr>
+        </p:nvSpPr>
+        <p:spPr>
+          <a:xfrm>
+            <a:off x="2194560" y="1313280"/>
+            <a:ext cx="39501720" cy="5496840"/>
+          </a:xfrm>
+          <a:prstGeom prst="rect">
+            <a:avLst/>
+          </a:prstGeom>
+        </p:spPr>
+        <p:txBody>
+          <a:bodyPr lIns="0" rIns="0" tIns="0" bIns="0" anchor="ctr"/>
+          <a:p>
+            <a:pPr algn="ctr"/>
+            <a:r>
+              <a:rPr b="0" lang="en-US" sz="4400" spc="-1" strike="noStrike">
+                <a:latin typeface="Arial"/>
+              </a:rPr>
+              <a:t>Click to edit the title text format</a:t>
+            </a:r>
+            <a:endParaRPr b="0" lang="en-US" sz="4400" spc="-1" strike="noStrike">
+              <a:latin typeface="Arial"/>
+            </a:endParaRPr>
+          </a:p>
+        </p:txBody>
+      </p:sp>
+      <p:sp>
+        <p:nvSpPr>
+          <p:cNvPr id="5" name="PlaceHolder 3"/>
+          <p:cNvSpPr>
+            <a:spLocks noGrp="1"/>
+          </p:cNvSpPr>
+          <p:nvPr>
+            <p:ph type="body"/>
+          </p:nvPr>
+        </p:nvSpPr>
+        <p:spPr>
+          <a:xfrm>
+            <a:off x="2194560" y="7702560"/>
+            <a:ext cx="39501720" cy="19092240"/>
+          </a:xfrm>
+          <a:prstGeom prst="rect">
+            <a:avLst/>
+          </a:prstGeom>
+        </p:spPr>
+        <p:txBody>
+          <a:bodyPr lIns="0" rIns="0" tIns="0" bIns="0">
+            <a:normAutofit/>
+          </a:bodyPr>
+          <a:p>
+            <a:pPr marL="432000" indent="-324000">
+              <a:spcBef>
+                <a:spcPts val="1417"/>
+              </a:spcBef>
+              <a:buClr>
+                <a:srgbClr val="000000"/>
+              </a:buClr>
+              <a:buSzPct val="45000"/>
+              <a:buFont typeface="Wingdings" charset="2"/>
+              <a:buChar char=""/>
+            </a:pPr>
+            <a:r>
+              <a:rPr b="0" lang="en-US" sz="3200" spc="-1" strike="noStrike">
+                <a:latin typeface="Arial"/>
+              </a:rPr>
+              <a:t>Click to edit the outline text format</a:t>
+            </a:r>
+            <a:endParaRPr b="0" lang="en-US" sz="3200" spc="-1" strike="noStrike">
+              <a:latin typeface="Arial"/>
+            </a:endParaRPr>
+          </a:p>
+          <a:p>
+            <a:pPr lvl="1" marL="864000" indent="-324000">
+              <a:spcBef>
+                <a:spcPts val="1134"/>
+              </a:spcBef>
+              <a:buClr>
+                <a:srgbClr val="000000"/>
+              </a:buClr>
+              <a:buSzPct val="75000"/>
+              <a:buFont typeface="Symbol" charset="2"/>
+              <a:buChar char=""/>
+            </a:pPr>
+            <a:r>
+              <a:rPr b="0" lang="en-US" sz="2800" spc="-1" strike="noStrike">
+                <a:latin typeface="Arial"/>
+              </a:rPr>
+              <a:t>Second Outline Level</a:t>
+            </a:r>
+            <a:endParaRPr b="0" lang="en-US" sz="2800" spc="-1" strike="noStrike">
+              <a:latin typeface="Arial"/>
+            </a:endParaRPr>
+          </a:p>
+          <a:p>
+            <a:pPr lvl="2" marL="1296000" indent="-288000">
+              <a:spcBef>
+                <a:spcPts val="850"/>
+              </a:spcBef>
+              <a:buClr>
+                <a:srgbClr val="000000"/>
+              </a:buClr>
+              <a:buSzPct val="45000"/>
+              <a:buFont typeface="Wingdings" charset="2"/>
+              <a:buChar char=""/>
+            </a:pPr>
+            <a:r>
+              <a:rPr b="0" lang="en-US" sz="2400" spc="-1" strike="noStrike">
+                <a:latin typeface="Arial"/>
+              </a:rPr>
+              <a:t>Third Outline Level</a:t>
+            </a:r>
+            <a:endParaRPr b="0" lang="en-US" sz="2400" spc="-1" strike="noStrike">
+              <a:latin typeface="Arial"/>
+            </a:endParaRPr>
+          </a:p>
+          <a:p>
+            <a:pPr lvl="3" marL="1728000" indent="-216000">
+              <a:spcBef>
+                <a:spcPts val="567"/>
+              </a:spcBef>
+              <a:buClr>
+                <a:srgbClr val="000000"/>
+              </a:buClr>
+              <a:buSzPct val="75000"/>
+              <a:buFont typeface="Symbol" charset="2"/>
+              <a:buChar char=""/>
+            </a:pPr>
+            <a:r>
+              <a:rPr b="0" lang="en-US" sz="2000" spc="-1" strike="noStrike">
+                <a:latin typeface="Arial"/>
+              </a:rPr>
+              <a:t>Fourth Outline Level</a:t>
+            </a:r>
+            <a:endParaRPr b="0" lang="en-US" sz="2000" spc="-1" strike="noStrike">
+              <a:latin typeface="Arial"/>
+            </a:endParaRPr>
+          </a:p>
+          <a:p>
+            <a:pPr lvl="4" marL="2160000" indent="-216000">
+              <a:spcBef>
+                <a:spcPts val="283"/>
+              </a:spcBef>
+              <a:buClr>
+                <a:srgbClr val="000000"/>
+              </a:buClr>
+              <a:buSzPct val="45000"/>
+              <a:buFont typeface="Wingdings" charset="2"/>
+              <a:buChar char=""/>
+            </a:pPr>
+            <a:r>
+              <a:rPr b="0" lang="en-US" sz="2000" spc="-1" strike="noStrike">
+                <a:latin typeface="Arial"/>
+              </a:rPr>
+              <a:t>Fifth Outline Level</a:t>
+            </a:r>
+            <a:endParaRPr b="0" lang="en-US" sz="2000" spc="-1" strike="noStrike">
+              <a:latin typeface="Arial"/>
+            </a:endParaRPr>
+          </a:p>
+          <a:p>
+            <a:pPr lvl="5" marL="2592000" indent="-216000">
+              <a:spcBef>
+                <a:spcPts val="283"/>
+              </a:spcBef>
+              <a:buClr>
+                <a:srgbClr val="000000"/>
+              </a:buClr>
+              <a:buSzPct val="45000"/>
+              <a:buFont typeface="Wingdings" charset="2"/>
+              <a:buChar char=""/>
+            </a:pPr>
+            <a:r>
+              <a:rPr b="0" lang="en-US" sz="2000" spc="-1" strike="noStrike">
+                <a:latin typeface="Arial"/>
+              </a:rPr>
+              <a:t>Sixth Outline Level</a:t>
+            </a:r>
+            <a:endParaRPr b="0" lang="en-US" sz="2000" spc="-1" strike="noStrike">
+              <a:latin typeface="Arial"/>
+            </a:endParaRPr>
+          </a:p>
+          <a:p>
+            <a:pPr lvl="6" marL="3024000" indent="-216000">
+              <a:spcBef>
+                <a:spcPts val="283"/>
+              </a:spcBef>
+              <a:buClr>
+                <a:srgbClr val="000000"/>
+              </a:buClr>
+              <a:buSzPct val="45000"/>
+              <a:buFont typeface="Wingdings" charset="2"/>
+              <a:buChar char=""/>
+            </a:pPr>
+            <a:r>
+              <a:rPr b="0" lang="en-US" sz="2000" spc="-1" strike="noStrike">
+                <a:latin typeface="Arial"/>
+              </a:rPr>
+              <a:t>Seventh Outline Level</a:t>
+            </a:r>
+            <a:endParaRPr b="0" lang="en-US" sz="2000" spc="-1" strike="noStrike">
               <a:latin typeface="Arial"/>
             </a:endParaRPr>
           </a:p>
@@ -1862,14 +2076,14 @@
       </p:grpSpPr>
       <p:sp>
         <p:nvSpPr>
-          <p:cNvPr id="46" name="CustomShape 1"/>
+          <p:cNvPr id="48" name="CustomShape 1"/>
           <p:cNvSpPr/>
           <p:nvPr/>
         </p:nvSpPr>
         <p:spPr>
           <a:xfrm>
-            <a:off x="434880" y="137520"/>
-            <a:ext cx="43729200" cy="3884400"/>
+            <a:off x="0" y="0"/>
+            <a:ext cx="43891200" cy="3884040"/>
           </a:xfrm>
           <a:prstGeom prst="rect">
             <a:avLst/>
@@ -1936,14 +2150,14 @@
       </p:sp>
       <p:sp>
         <p:nvSpPr>
-          <p:cNvPr id="47" name="CustomShape 2"/>
+          <p:cNvPr id="49" name="CustomShape 2"/>
           <p:cNvSpPr/>
           <p:nvPr/>
         </p:nvSpPr>
         <p:spPr>
           <a:xfrm>
-            <a:off x="1256040" y="4480560"/>
-            <a:ext cx="42048000" cy="1027080"/>
+            <a:off x="182880" y="4480560"/>
+            <a:ext cx="43434000" cy="1026720"/>
           </a:xfrm>
           <a:prstGeom prst="rect">
             <a:avLst/>
@@ -1990,14 +2204,14 @@
       </p:sp>
       <p:sp>
         <p:nvSpPr>
-          <p:cNvPr id="48" name="CustomShape 3"/>
+          <p:cNvPr id="50" name="CustomShape 3"/>
           <p:cNvSpPr/>
           <p:nvPr/>
         </p:nvSpPr>
         <p:spPr>
           <a:xfrm>
-            <a:off x="548640" y="25237440"/>
-            <a:ext cx="10356480" cy="1027080"/>
+            <a:off x="19361880" y="23225760"/>
+            <a:ext cx="11087640" cy="1026720"/>
           </a:xfrm>
           <a:prstGeom prst="rect">
             <a:avLst/>
@@ -2044,14 +2258,14 @@
       </p:sp>
       <p:sp>
         <p:nvSpPr>
-          <p:cNvPr id="49" name="CustomShape 4"/>
+          <p:cNvPr id="51" name="CustomShape 4"/>
           <p:cNvSpPr/>
           <p:nvPr/>
         </p:nvSpPr>
         <p:spPr>
           <a:xfrm>
-            <a:off x="1088280" y="19202400"/>
-            <a:ext cx="22320000" cy="6290640"/>
+            <a:off x="19294920" y="20482560"/>
+            <a:ext cx="24711120" cy="6290280"/>
           </a:xfrm>
           <a:prstGeom prst="rect">
             <a:avLst/>
@@ -2089,7 +2303,7 @@
               <a:t>  </a:t>
             </a:r>
             <a:r>
-              <a:rPr b="1" lang="en-US" sz="4800" spc="-1" strike="noStrike">
+              <a:rPr b="0" lang="en-US" sz="4800" spc="-1" strike="noStrike">
                 <a:solidFill>
                   <a:srgbClr val="393939"/>
                 </a:solidFill>
@@ -2106,14 +2320,14 @@
       </p:sp>
       <p:sp>
         <p:nvSpPr>
-          <p:cNvPr id="50" name="CustomShape 5"/>
+          <p:cNvPr id="52" name="CustomShape 5"/>
           <p:cNvSpPr/>
           <p:nvPr/>
         </p:nvSpPr>
         <p:spPr>
           <a:xfrm>
             <a:off x="11430360" y="5852160"/>
-            <a:ext cx="10056600" cy="5095800"/>
+            <a:ext cx="10056240" cy="5095440"/>
           </a:xfrm>
           <a:prstGeom prst="rect">
             <a:avLst/>
@@ -2158,14 +2372,14 @@
       </p:sp>
       <p:sp>
         <p:nvSpPr>
-          <p:cNvPr id="51" name="CustomShape 6"/>
+          <p:cNvPr id="53" name="CustomShape 6"/>
           <p:cNvSpPr/>
           <p:nvPr/>
         </p:nvSpPr>
         <p:spPr>
           <a:xfrm>
             <a:off x="22420440" y="5715000"/>
-            <a:ext cx="10361520" cy="13386240"/>
+            <a:ext cx="10361160" cy="13385880"/>
           </a:xfrm>
           <a:prstGeom prst="rect">
             <a:avLst/>
@@ -2291,14 +2505,14 @@
       </p:sp>
       <p:sp>
         <p:nvSpPr>
-          <p:cNvPr id="52" name="CustomShape 7"/>
+          <p:cNvPr id="54" name="CustomShape 7"/>
           <p:cNvSpPr/>
           <p:nvPr/>
         </p:nvSpPr>
         <p:spPr>
           <a:xfrm>
             <a:off x="33662880" y="5791320"/>
-            <a:ext cx="9685080" cy="18255960"/>
+            <a:ext cx="9684720" cy="18255600"/>
           </a:xfrm>
           <a:prstGeom prst="rect">
             <a:avLst/>
@@ -2317,14 +2531,14 @@
       </p:sp>
       <p:sp>
         <p:nvSpPr>
-          <p:cNvPr id="53" name="CustomShape 8"/>
+          <p:cNvPr id="55" name="CustomShape 8"/>
           <p:cNvSpPr/>
           <p:nvPr/>
         </p:nvSpPr>
         <p:spPr>
           <a:xfrm>
             <a:off x="22555080" y="16916400"/>
-            <a:ext cx="10158120" cy="2284200"/>
+            <a:ext cx="10157760" cy="2283840"/>
           </a:xfrm>
           <a:prstGeom prst="rect">
             <a:avLst/>
@@ -2343,14 +2557,14 @@
       </p:sp>
       <p:sp>
         <p:nvSpPr>
-          <p:cNvPr id="54" name="CustomShape 9"/>
+          <p:cNvPr id="56" name="CustomShape 9"/>
           <p:cNvSpPr/>
           <p:nvPr/>
         </p:nvSpPr>
         <p:spPr>
-          <a:xfrm rot="5400000">
-            <a:off x="11897640" y="25910640"/>
-            <a:ext cx="74880" cy="272880"/>
+          <a:xfrm flipH="1" flipV="1" rot="5400000">
+            <a:off x="-33074640" y="27221760"/>
+            <a:ext cx="4155480" cy="5123880"/>
           </a:xfrm>
           <a:prstGeom prst="rect">
             <a:avLst/>
@@ -2392,14 +2606,14 @@
       </p:sp>
       <p:sp>
         <p:nvSpPr>
-          <p:cNvPr id="55" name="CustomShape 10"/>
+          <p:cNvPr id="57" name="CustomShape 10"/>
           <p:cNvSpPr/>
           <p:nvPr/>
         </p:nvSpPr>
         <p:spPr>
-          <a:xfrm rot="5400000">
-            <a:off x="11897640" y="25910640"/>
-            <a:ext cx="74880" cy="272880"/>
+          <a:xfrm flipH="1" flipV="1" rot="5400000">
+            <a:off x="5318640" y="21701520"/>
+            <a:ext cx="1692000" cy="1722240"/>
           </a:xfrm>
           <a:prstGeom prst="rect">
             <a:avLst/>
@@ -2441,14 +2655,14 @@
       </p:sp>
       <p:sp>
         <p:nvSpPr>
-          <p:cNvPr id="56" name="CustomShape 11"/>
+          <p:cNvPr id="58" name="CustomShape 11"/>
           <p:cNvSpPr/>
           <p:nvPr/>
         </p:nvSpPr>
         <p:spPr>
           <a:xfrm>
             <a:off x="17176680" y="23391720"/>
-            <a:ext cx="3528720" cy="3288960"/>
+            <a:ext cx="3528360" cy="3288600"/>
           </a:xfrm>
           <a:prstGeom prst="rect">
             <a:avLst/>
@@ -2467,14 +2681,14 @@
       </p:sp>
       <p:sp>
         <p:nvSpPr>
-          <p:cNvPr id="57" name="CustomShape 12"/>
+          <p:cNvPr id="59" name="CustomShape 12"/>
           <p:cNvSpPr/>
           <p:nvPr/>
         </p:nvSpPr>
         <p:spPr>
           <a:xfrm>
             <a:off x="11514240" y="28194120"/>
-            <a:ext cx="10091520" cy="729000"/>
+            <a:ext cx="10091160" cy="728640"/>
           </a:xfrm>
           <a:prstGeom prst="rect">
             <a:avLst/>
@@ -2493,14 +2707,14 @@
       </p:sp>
       <p:sp>
         <p:nvSpPr>
-          <p:cNvPr id="58" name="CustomShape 13"/>
+          <p:cNvPr id="60" name="CustomShape 13"/>
           <p:cNvSpPr/>
           <p:nvPr/>
         </p:nvSpPr>
         <p:spPr>
           <a:xfrm>
-            <a:off x="11521440" y="13533120"/>
-            <a:ext cx="9697680" cy="13210200"/>
+            <a:off x="12435840" y="14356080"/>
+            <a:ext cx="9697320" cy="13209840"/>
           </a:xfrm>
           <a:prstGeom prst="rect">
             <a:avLst/>
@@ -2519,7 +2733,7 @@
       </p:sp>
       <p:pic>
         <p:nvPicPr>
-          <p:cNvPr id="59" name="Picture 2" descr=""/>
+          <p:cNvPr id="61" name="Picture 2" descr=""/>
           <p:cNvPicPr/>
           <p:nvPr/>
         </p:nvPicPr>
@@ -2530,7 +2744,7 @@
         <p:spPr>
           <a:xfrm>
             <a:off x="838080" y="603000"/>
-            <a:ext cx="1522080" cy="2824200"/>
+            <a:ext cx="1521720" cy="2823840"/>
           </a:xfrm>
           <a:prstGeom prst="rect">
             <a:avLst/>
@@ -2542,14 +2756,14 @@
       </p:pic>
       <p:sp>
         <p:nvSpPr>
-          <p:cNvPr id="60" name="CustomShape 14"/>
+          <p:cNvPr id="62" name="CustomShape 14"/>
           <p:cNvSpPr/>
           <p:nvPr/>
         </p:nvSpPr>
         <p:spPr>
           <a:xfrm>
             <a:off x="34044120" y="602280"/>
-            <a:ext cx="6399000" cy="759240"/>
+            <a:ext cx="6398640" cy="758880"/>
           </a:xfrm>
           <a:prstGeom prst="rect">
             <a:avLst/>
@@ -2591,7 +2805,7 @@
       </p:sp>
       <p:pic>
         <p:nvPicPr>
-          <p:cNvPr id="61" name="Picture 387" descr=""/>
+          <p:cNvPr id="63" name="Picture 387" descr=""/>
           <p:cNvPicPr/>
           <p:nvPr/>
         </p:nvPicPr>
@@ -2602,7 +2816,7 @@
         <p:spPr>
           <a:xfrm>
             <a:off x="33022440" y="671400"/>
-            <a:ext cx="698400" cy="698400"/>
+            <a:ext cx="698040" cy="698040"/>
           </a:xfrm>
           <a:prstGeom prst="rect">
             <a:avLst/>
@@ -2614,7 +2828,7 @@
       </p:pic>
       <p:pic>
         <p:nvPicPr>
-          <p:cNvPr id="62" name="Picture 388" descr=""/>
+          <p:cNvPr id="64" name="Picture 388" descr=""/>
           <p:cNvPicPr/>
           <p:nvPr/>
         </p:nvPicPr>
@@ -2625,7 +2839,7 @@
         <p:spPr>
           <a:xfrm>
             <a:off x="33050160" y="2826720"/>
-            <a:ext cx="704520" cy="532800"/>
+            <a:ext cx="704160" cy="532440"/>
           </a:xfrm>
           <a:prstGeom prst="rect">
             <a:avLst/>
@@ -2637,14 +2851,14 @@
       </p:pic>
       <p:sp>
         <p:nvSpPr>
-          <p:cNvPr id="63" name="CustomShape 15"/>
+          <p:cNvPr id="65" name="CustomShape 15"/>
           <p:cNvSpPr/>
           <p:nvPr/>
         </p:nvSpPr>
         <p:spPr>
           <a:xfrm>
             <a:off x="33070680" y="1600200"/>
-            <a:ext cx="1293480" cy="911880"/>
+            <a:ext cx="1293120" cy="911520"/>
           </a:xfrm>
           <a:prstGeom prst="rect">
             <a:avLst/>
@@ -2686,14 +2900,14 @@
       </p:sp>
       <p:sp>
         <p:nvSpPr>
-          <p:cNvPr id="64" name="CustomShape 16"/>
+          <p:cNvPr id="66" name="CustomShape 16"/>
           <p:cNvSpPr/>
           <p:nvPr/>
         </p:nvSpPr>
         <p:spPr>
           <a:xfrm>
             <a:off x="34098120" y="1676520"/>
-            <a:ext cx="4347720" cy="759240"/>
+            <a:ext cx="4347360" cy="758880"/>
           </a:xfrm>
           <a:prstGeom prst="rect">
             <a:avLst/>
@@ -2735,14 +2949,14 @@
       </p:sp>
       <p:sp>
         <p:nvSpPr>
-          <p:cNvPr id="65" name="CustomShape 17"/>
+          <p:cNvPr id="67" name="CustomShape 17"/>
           <p:cNvSpPr/>
           <p:nvPr/>
         </p:nvSpPr>
         <p:spPr>
           <a:xfrm>
             <a:off x="33889680" y="5862240"/>
-            <a:ext cx="9458280" cy="12698640"/>
+            <a:ext cx="9457920" cy="12698280"/>
           </a:xfrm>
           <a:prstGeom prst="rect">
             <a:avLst/>
@@ -2759,93 +2973,16 @@
           <a:fontRef idx="minor"/>
         </p:style>
       </p:sp>
-      <p:pic>
-        <p:nvPicPr>
-          <p:cNvPr id="66" name="" descr=""/>
-          <p:cNvPicPr/>
-          <p:nvPr/>
-        </p:nvPicPr>
-        <p:blipFill>
-          <a:blip r:embed="rId4"/>
-          <a:stretch/>
-        </p:blipFill>
-        <p:spPr>
-          <a:xfrm>
-            <a:off x="24505920" y="20072160"/>
-            <a:ext cx="18543960" cy="12480120"/>
-          </a:xfrm>
-          <a:prstGeom prst="rect">
-            <a:avLst/>
-          </a:prstGeom>
-          <a:ln>
-            <a:noFill/>
-          </a:ln>
-        </p:spPr>
-      </p:pic>
-      <p:sp>
-        <p:nvSpPr>
-          <p:cNvPr id="67" name="CustomShape 18"/>
+      <p:sp>
+        <p:nvSpPr>
+          <p:cNvPr id="68" name="CustomShape 18"/>
           <p:cNvSpPr/>
           <p:nvPr/>
         </p:nvSpPr>
         <p:spPr>
           <a:xfrm>
-            <a:off x="24688800" y="19202400"/>
-            <a:ext cx="18744480" cy="1027080"/>
-          </a:xfrm>
-          <a:prstGeom prst="rect">
-            <a:avLst/>
-          </a:prstGeom>
-          <a:solidFill>
-            <a:schemeClr val="accent5"/>
-          </a:solidFill>
-          <a:ln w="28440">
-            <a:solidFill>
-              <a:schemeClr val="tx1"/>
-            </a:solidFill>
-            <a:round/>
-          </a:ln>
-        </p:spPr>
-        <p:style>
-          <a:lnRef idx="0"/>
-          <a:fillRef idx="0"/>
-          <a:effectRef idx="0"/>
-          <a:fontRef idx="minor"/>
-        </p:style>
-        <p:txBody>
-          <a:bodyPr wrap="none" lIns="137160" rIns="137160" tIns="68760" bIns="68760" anchor="ctr"/>
-          <a:p>
-            <a:pPr algn="ctr">
-              <a:lnSpc>
-                <a:spcPct val="100000"/>
-              </a:lnSpc>
-            </a:pPr>
-            <a:r>
-              <a:rPr b="1" lang="en-US" sz="5700" spc="-1" strike="noStrike">
-                <a:solidFill>
-                  <a:srgbClr val="ffffff"/>
-                </a:solidFill>
-                <a:latin typeface="Arial"/>
-                <a:ea typeface="Arial"/>
-              </a:rPr>
-              <a:t>What is Jaccard Similarity?</a:t>
-            </a:r>
-            <a:endParaRPr b="0" lang="en-US" sz="5700" spc="-1" strike="noStrike">
-              <a:latin typeface="Arial"/>
-            </a:endParaRPr>
-          </a:p>
-        </p:txBody>
-      </p:sp>
-      <p:sp>
-        <p:nvSpPr>
-          <p:cNvPr id="68" name="CustomShape 19"/>
-          <p:cNvSpPr/>
-          <p:nvPr/>
-        </p:nvSpPr>
-        <p:spPr>
-          <a:xfrm>
-            <a:off x="12594600" y="21945600"/>
-            <a:ext cx="10356480" cy="1027080"/>
+            <a:off x="31089600" y="23204880"/>
+            <a:ext cx="12618720" cy="1026720"/>
           </a:xfrm>
           <a:prstGeom prst="rect">
             <a:avLst/>
@@ -2892,14 +3029,14 @@
       </p:sp>
       <p:sp>
         <p:nvSpPr>
-          <p:cNvPr id="69" name="CustomShape 20"/>
+          <p:cNvPr id="69" name="CustomShape 19"/>
           <p:cNvSpPr/>
           <p:nvPr/>
         </p:nvSpPr>
         <p:spPr>
           <a:xfrm>
-            <a:off x="12710160" y="23042880"/>
-            <a:ext cx="10515240" cy="3495600"/>
+            <a:off x="30998880" y="24231600"/>
+            <a:ext cx="12892320" cy="3952440"/>
           </a:xfrm>
           <a:prstGeom prst="rect">
             <a:avLst/>
@@ -2918,7 +3055,7 @@
         <p:txBody>
           <a:bodyPr lIns="90000" rIns="90000" tIns="45000" bIns="45000"/>
           <a:p>
-            <a:pPr marL="216000" indent="-215640">
+            <a:pPr marL="216000" indent="-215280">
               <a:lnSpc>
                 <a:spcPct val="100000"/>
               </a:lnSpc>
@@ -2930,8 +3067,12 @@
               <a:buChar char=""/>
             </a:pPr>
             <a:r>
-              <a:rPr b="1" lang="en-US" sz="4800" spc="-1" strike="noStrike">
-                <a:latin typeface="Arial"/>
+              <a:rPr b="0" lang="en-US" sz="4800" spc="-1" strike="noStrike">
+                <a:solidFill>
+                  <a:srgbClr val="000000"/>
+                </a:solidFill>
+                <a:latin typeface="Arial"/>
+                <a:ea typeface="DejaVu Sans"/>
               </a:rPr>
               <a:t>Expand to other states on the marketplace</a:t>
             </a:r>
@@ -2940,7 +3081,7 @@
             </a:endParaRPr>
           </a:p>
           <a:p>
-            <a:pPr marL="216000" indent="-215640">
+            <a:pPr marL="216000" indent="-215280">
               <a:lnSpc>
                 <a:spcPct val="100000"/>
               </a:lnSpc>
@@ -2952,8 +3093,12 @@
               <a:buChar char=""/>
             </a:pPr>
             <a:r>
-              <a:rPr b="1" lang="en-US" sz="4800" spc="-1" strike="noStrike">
-                <a:latin typeface="Arial"/>
+              <a:rPr b="0" lang="en-US" sz="4800" spc="-1" strike="noStrike">
+                <a:solidFill>
+                  <a:srgbClr val="000000"/>
+                </a:solidFill>
+                <a:latin typeface="Arial"/>
+                <a:ea typeface="DejaVu Sans"/>
               </a:rPr>
               <a:t>Incorporate plan pricing</a:t>
             </a:r>
@@ -2962,7 +3107,7 @@
             </a:endParaRPr>
           </a:p>
           <a:p>
-            <a:pPr marL="216000" indent="-215640">
+            <a:pPr marL="216000" indent="-215280">
               <a:lnSpc>
                 <a:spcPct val="100000"/>
               </a:lnSpc>
@@ -2974,8 +3119,12 @@
               <a:buChar char=""/>
             </a:pPr>
             <a:r>
-              <a:rPr b="1" lang="en-US" sz="4800" spc="-1" strike="noStrike">
-                <a:latin typeface="Arial"/>
+              <a:rPr b="0" lang="en-US" sz="4800" spc="-1" strike="noStrike">
+                <a:solidFill>
+                  <a:srgbClr val="000000"/>
+                </a:solidFill>
+                <a:latin typeface="Arial"/>
+                <a:ea typeface="DejaVu Sans"/>
               </a:rPr>
               <a:t>Include dental only plans</a:t>
             </a:r>
@@ -3002,14 +3151,14 @@
           <p:nvPr/>
         </p:nvPicPr>
         <p:blipFill>
-          <a:blip r:embed="rId5"/>
-          <a:srcRect l="33126" t="6302" r="-1772" b="36429"/>
+          <a:blip r:embed="rId4"/>
+          <a:srcRect l="33122" t="6302" r="-1772" b="36424"/>
           <a:stretch/>
         </p:blipFill>
         <p:spPr>
           <a:xfrm>
-            <a:off x="0" y="26517600"/>
-            <a:ext cx="10606680" cy="6034680"/>
+            <a:off x="17830800" y="24780240"/>
+            <a:ext cx="13661280" cy="7772400"/>
           </a:xfrm>
           <a:prstGeom prst="rect">
             <a:avLst/>
@@ -3021,14 +3170,14 @@
       </p:pic>
       <p:sp>
         <p:nvSpPr>
-          <p:cNvPr id="71" name="CustomShape 21"/>
+          <p:cNvPr id="71" name="CustomShape 20"/>
           <p:cNvSpPr/>
           <p:nvPr/>
         </p:nvSpPr>
         <p:spPr>
           <a:xfrm>
-            <a:off x="12411720" y="26334720"/>
-            <a:ext cx="10356480" cy="1027080"/>
+            <a:off x="31157640" y="26679600"/>
+            <a:ext cx="12550680" cy="1026720"/>
           </a:xfrm>
           <a:prstGeom prst="rect">
             <a:avLst/>
@@ -3075,14 +3224,14 @@
       </p:sp>
       <p:sp>
         <p:nvSpPr>
-          <p:cNvPr id="72" name="CustomShape 22"/>
+          <p:cNvPr id="72" name="CustomShape 21"/>
           <p:cNvSpPr/>
           <p:nvPr/>
         </p:nvSpPr>
         <p:spPr>
           <a:xfrm rot="21599400">
             <a:off x="34044480" y="2714400"/>
-            <a:ext cx="7468920" cy="759240"/>
+            <a:ext cx="7468560" cy="758880"/>
           </a:xfrm>
           <a:prstGeom prst="rect">
             <a:avLst/>
@@ -3122,23 +3271,51 @@
           </a:p>
         </p:txBody>
       </p:sp>
-      <p:sp>
-        <p:nvSpPr>
-          <p:cNvPr id="73" name="CustomShape 23"/>
+      <p:pic>
+        <p:nvPicPr>
+          <p:cNvPr id="73" name="" descr=""/>
+          <p:cNvPicPr/>
+          <p:nvPr/>
+        </p:nvPicPr>
+        <p:blipFill>
+          <a:blip r:embed="rId5"/>
+          <a:stretch/>
+        </p:blipFill>
+        <p:spPr>
+          <a:xfrm>
+            <a:off x="365760" y="5785920"/>
+            <a:ext cx="43251120" cy="12959280"/>
+          </a:xfrm>
+          <a:prstGeom prst="rect">
+            <a:avLst/>
+          </a:prstGeom>
+          <a:ln>
+            <a:noFill/>
+          </a:ln>
+        </p:spPr>
+      </p:pic>
+      <p:sp>
+        <p:nvSpPr>
+          <p:cNvPr id="74" name="CustomShape 22"/>
           <p:cNvSpPr/>
           <p:nvPr/>
         </p:nvSpPr>
         <p:spPr>
           <a:xfrm>
-            <a:off x="11887200" y="27869760"/>
-            <a:ext cx="12618360" cy="2673000"/>
-          </a:xfrm>
-          <a:prstGeom prst="rect">
-            <a:avLst/>
-          </a:prstGeom>
-          <a:noFill/>
-          <a:ln>
-            <a:noFill/>
+            <a:off x="19294920" y="19455840"/>
+            <a:ext cx="24413400" cy="1026720"/>
+          </a:xfrm>
+          <a:prstGeom prst="rect">
+            <a:avLst/>
+          </a:prstGeom>
+          <a:solidFill>
+            <a:schemeClr val="accent5"/>
+          </a:solidFill>
+          <a:ln w="28440">
+            <a:solidFill>
+              <a:schemeClr val="tx1"/>
+            </a:solidFill>
+            <a:round/>
           </a:ln>
         </p:spPr>
         <p:style>
@@ -3148,6 +3325,168 @@
           <a:fontRef idx="minor"/>
         </p:style>
         <p:txBody>
+          <a:bodyPr wrap="none" lIns="137160" rIns="137160" tIns="68760" bIns="68760" anchor="ctr"/>
+          <a:p>
+            <a:pPr algn="ctr">
+              <a:lnSpc>
+                <a:spcPct val="100000"/>
+              </a:lnSpc>
+            </a:pPr>
+            <a:r>
+              <a:rPr b="1" lang="en-US" sz="5700" spc="-1" strike="noStrike">
+                <a:solidFill>
+                  <a:srgbClr val="ffffff"/>
+                </a:solidFill>
+                <a:latin typeface="Arial"/>
+                <a:ea typeface="Arial"/>
+              </a:rPr>
+              <a:t>B</a:t>
+            </a:r>
+            <a:r>
+              <a:rPr b="1" lang="en-US" sz="5700" spc="-1" strike="noStrike">
+                <a:solidFill>
+                  <a:srgbClr val="ffffff"/>
+                </a:solidFill>
+                <a:latin typeface="Arial"/>
+                <a:ea typeface="Arial"/>
+              </a:rPr>
+              <a:t>a</a:t>
+            </a:r>
+            <a:r>
+              <a:rPr b="1" lang="en-US" sz="5700" spc="-1" strike="noStrike">
+                <a:solidFill>
+                  <a:srgbClr val="ffffff"/>
+                </a:solidFill>
+                <a:latin typeface="Arial"/>
+                <a:ea typeface="Arial"/>
+              </a:rPr>
+              <a:t>c</a:t>
+            </a:r>
+            <a:r>
+              <a:rPr b="1" lang="en-US" sz="5700" spc="-1" strike="noStrike">
+                <a:solidFill>
+                  <a:srgbClr val="ffffff"/>
+                </a:solidFill>
+                <a:latin typeface="Arial"/>
+                <a:ea typeface="Arial"/>
+              </a:rPr>
+              <a:t>k</a:t>
+            </a:r>
+            <a:r>
+              <a:rPr b="1" lang="en-US" sz="5700" spc="-1" strike="noStrike">
+                <a:solidFill>
+                  <a:srgbClr val="ffffff"/>
+                </a:solidFill>
+                <a:latin typeface="Arial"/>
+                <a:ea typeface="Arial"/>
+              </a:rPr>
+              <a:t>g</a:t>
+            </a:r>
+            <a:r>
+              <a:rPr b="1" lang="en-US" sz="5700" spc="-1" strike="noStrike">
+                <a:solidFill>
+                  <a:srgbClr val="ffffff"/>
+                </a:solidFill>
+                <a:latin typeface="Arial"/>
+                <a:ea typeface="Arial"/>
+              </a:rPr>
+              <a:t>r</a:t>
+            </a:r>
+            <a:r>
+              <a:rPr b="1" lang="en-US" sz="5700" spc="-1" strike="noStrike">
+                <a:solidFill>
+                  <a:srgbClr val="ffffff"/>
+                </a:solidFill>
+                <a:latin typeface="Arial"/>
+                <a:ea typeface="Arial"/>
+              </a:rPr>
+              <a:t>o</a:t>
+            </a:r>
+            <a:r>
+              <a:rPr b="1" lang="en-US" sz="5700" spc="-1" strike="noStrike">
+                <a:solidFill>
+                  <a:srgbClr val="ffffff"/>
+                </a:solidFill>
+                <a:latin typeface="Arial"/>
+                <a:ea typeface="Arial"/>
+              </a:rPr>
+              <a:t>u</a:t>
+            </a:r>
+            <a:r>
+              <a:rPr b="1" lang="en-US" sz="5700" spc="-1" strike="noStrike">
+                <a:solidFill>
+                  <a:srgbClr val="ffffff"/>
+                </a:solidFill>
+                <a:latin typeface="Arial"/>
+                <a:ea typeface="Arial"/>
+              </a:rPr>
+              <a:t>n</a:t>
+            </a:r>
+            <a:r>
+              <a:rPr b="1" lang="en-US" sz="5700" spc="-1" strike="noStrike">
+                <a:solidFill>
+                  <a:srgbClr val="ffffff"/>
+                </a:solidFill>
+                <a:latin typeface="Arial"/>
+                <a:ea typeface="Arial"/>
+              </a:rPr>
+              <a:t>d</a:t>
+            </a:r>
+            <a:endParaRPr b="0" lang="en-US" sz="5700" spc="-1" strike="noStrike">
+              <a:latin typeface="Arial"/>
+            </a:endParaRPr>
+          </a:p>
+        </p:txBody>
+      </p:sp>
+      <p:pic>
+        <p:nvPicPr>
+          <p:cNvPr id="75" name="" descr=""/>
+          <p:cNvPicPr/>
+          <p:nvPr/>
+        </p:nvPicPr>
+        <p:blipFill>
+          <a:blip r:embed="rId6"/>
+          <a:stretch/>
+        </p:blipFill>
+        <p:spPr>
+          <a:xfrm>
+            <a:off x="475920" y="20164320"/>
+            <a:ext cx="18543600" cy="12479760"/>
+          </a:xfrm>
+          <a:prstGeom prst="rect">
+            <a:avLst/>
+          </a:prstGeom>
+          <a:ln>
+            <a:noFill/>
+          </a:ln>
+        </p:spPr>
+      </p:pic>
+      <p:sp>
+        <p:nvSpPr>
+          <p:cNvPr id="76" name="CustomShape 23"/>
+          <p:cNvSpPr/>
+          <p:nvPr/>
+        </p:nvSpPr>
+        <p:spPr>
+          <a:xfrm>
+            <a:off x="31272480" y="27959760"/>
+            <a:ext cx="12435840" cy="4592880"/>
+          </a:xfrm>
+          <a:prstGeom prst="rect">
+            <a:avLst/>
+          </a:prstGeom>
+          <a:noFill/>
+          <a:ln>
+            <a:noFill/>
+          </a:ln>
+        </p:spPr>
+        <p:style>
+          <a:lnRef idx="0"/>
+          <a:fillRef idx="0"/>
+          <a:effectRef idx="0"/>
+          <a:fontRef idx="minor"/>
+        </p:style>
+        <p:txBody>
           <a:bodyPr lIns="90000" rIns="90000" tIns="45000" bIns="45000"/>
           <a:p>
             <a:pPr>
@@ -3157,7 +3496,11 @@
             </a:pPr>
             <a:r>
               <a:rPr b="0" lang="en-US" sz="2600" spc="-1" strike="noStrike">
-                <a:latin typeface="Arial"/>
+                <a:solidFill>
+                  <a:srgbClr val="000000"/>
+                </a:solidFill>
+                <a:latin typeface="Arial"/>
+                <a:ea typeface="DejaVu Sans"/>
               </a:rPr>
               <a:t>1.  Centers for Medicare and Medicaid Services -Health Insurance Exchange Public Use Files. </a:t>
             </a:r>
@@ -3168,7 +3511,8 @@
                 </a:solidFill>
                 <a:uFillTx/>
                 <a:latin typeface="Arial"/>
-                <a:hlinkClick r:id="rId6"/>
+                <a:ea typeface="DejaVu Sans"/>
+                <a:hlinkClick r:id="rId7"/>
               </a:rPr>
               <a:t>https://www.cms.gov/CCIIO/Resources/Data-Resources/marketplace-puf.html</a:t>
             </a:r>
@@ -3188,6 +3532,7 @@
                   <a:srgbClr val="000000"/>
                 </a:solidFill>
                 <a:latin typeface="Arial"/>
+                <a:ea typeface="DejaVu Sans"/>
               </a:rPr>
               <a:t>2. USDA – County FIPS codes.</a:t>
             </a:r>
@@ -3207,6 +3552,7 @@
                   <a:srgbClr val="26cbec"/>
                 </a:solidFill>
                 <a:latin typeface="Arial"/>
+                <a:ea typeface="DejaVu Sans"/>
               </a:rPr>
               <a:t> </a:t>
             </a:r>
@@ -3217,7 +3563,8 @@
                 </a:solidFill>
                 <a:uFillTx/>
                 <a:latin typeface="Arial"/>
-                <a:hlinkClick r:id="rId7"/>
+                <a:ea typeface="DejaVu Sans"/>
+                <a:hlinkClick r:id="rId8"/>
               </a:rPr>
               <a:t>https://www.nrcs.usda.gov/wps/portal/nrcs/detail/national/home/?cid=nrcs143_013697</a:t>
             </a:r>
@@ -3234,9 +3581,10 @@
             <a:r>
               <a:rPr b="0" lang="en-US" sz="2600" spc="-1" strike="noStrike">
                 <a:solidFill>
-                  <a:srgbClr val="26cbec"/>
+                  <a:srgbClr val="000000"/>
                 </a:solidFill>
                 <a:latin typeface="Arial"/>
+                <a:ea typeface="DejaVu Sans"/>
               </a:rPr>
               <a:t>3. Bootstrap themes</a:t>
             </a:r>
@@ -3256,6 +3604,7 @@
                   <a:srgbClr val="26cbec"/>
                 </a:solidFill>
                 <a:latin typeface="Arial"/>
+                <a:ea typeface="DejaVu Sans"/>
               </a:rPr>
               <a:t>https://startbootstrap.com/themes/</a:t>
             </a:r>
@@ -3265,29 +3614,60 @@
           </a:p>
         </p:txBody>
       </p:sp>
-      <p:pic>
-        <p:nvPicPr>
-          <p:cNvPr id="74" name="" descr=""/>
-          <p:cNvPicPr/>
+      <p:sp>
+        <p:nvSpPr>
+          <p:cNvPr id="77" name="CustomShape 24"/>
+          <p:cNvSpPr/>
           <p:nvPr/>
-        </p:nvPicPr>
-        <p:blipFill>
-          <a:blip r:embed="rId8"/>
-          <a:stretch/>
-        </p:blipFill>
-        <p:spPr>
-          <a:xfrm>
-            <a:off x="274680" y="5760720"/>
-            <a:ext cx="43342200" cy="12772440"/>
-          </a:xfrm>
-          <a:prstGeom prst="rect">
-            <a:avLst/>
-          </a:prstGeom>
-          <a:ln>
-            <a:noFill/>
+        </p:nvSpPr>
+        <p:spPr>
+          <a:xfrm>
+            <a:off x="183960" y="19455840"/>
+            <a:ext cx="18744120" cy="1026720"/>
+          </a:xfrm>
+          <a:prstGeom prst="rect">
+            <a:avLst/>
+          </a:prstGeom>
+          <a:solidFill>
+            <a:schemeClr val="accent5"/>
+          </a:solidFill>
+          <a:ln w="28440">
+            <a:solidFill>
+              <a:schemeClr val="tx1"/>
+            </a:solidFill>
+            <a:round/>
           </a:ln>
         </p:spPr>
-      </p:pic>
+        <p:style>
+          <a:lnRef idx="0"/>
+          <a:fillRef idx="0"/>
+          <a:effectRef idx="0"/>
+          <a:fontRef idx="minor"/>
+        </p:style>
+        <p:txBody>
+          <a:bodyPr wrap="none" lIns="137160" rIns="137160" tIns="68760" bIns="68760" anchor="ctr"/>
+          <a:p>
+            <a:pPr algn="ctr">
+              <a:lnSpc>
+                <a:spcPct val="100000"/>
+              </a:lnSpc>
+            </a:pPr>
+            <a:r>
+              <a:rPr b="1" lang="en-US" sz="5700" spc="-1" strike="noStrike">
+                <a:solidFill>
+                  <a:srgbClr val="ffffff"/>
+                </a:solidFill>
+                <a:latin typeface="Arial"/>
+                <a:ea typeface="Arial"/>
+              </a:rPr>
+              <a:t>What is Jaccard Similarity?</a:t>
+            </a:r>
+            <a:endParaRPr b="0" lang="en-US" sz="5700" spc="-1" strike="noStrike">
+              <a:latin typeface="Arial"/>
+            </a:endParaRPr>
+          </a:p>
+        </p:txBody>
+      </p:sp>
     </p:spTree>
   </p:cSld>
   <p:timing>
